--- a/Apresentacao_Ionic.pptx
+++ b/Apresentacao_Ionic.pptx
@@ -5369,23 +5369,7 @@
                   <a:schemeClr val="bg1"/>
                 </a:solidFill>
               </a:rPr>
-              <a:t>Para esta aula, utilizaremos </a:t>
-            </a:r>
-            <a:r>
-              <a:rPr lang="pt-BR" b="0">
-                <a:solidFill>
-                  <a:schemeClr val="bg1"/>
-                </a:solidFill>
-              </a:rPr>
-              <a:t>uma aplicação como </a:t>
-            </a:r>
-            <a:r>
-              <a:rPr lang="pt-BR" b="0" dirty="0">
-                <a:solidFill>
-                  <a:schemeClr val="bg1"/>
-                </a:solidFill>
-              </a:rPr>
-              <a:t>base para o nosso projeto. É preciso abrir o terminal no local desejado e clonar o seguinte repositório:</a:t>
+              <a:t>Para esta aula, utilizaremos uma aplicação como base para o nosso projeto. É preciso abrir o terminal no local desejado e clonar o seguinte repositório:</a:t>
             </a:r>
           </a:p>
           <a:p>
@@ -5412,7 +5396,7 @@
                   </a:extLst>
                 </a:hlinkClick>
               </a:rPr>
-              <a:t>https://github.com/rocketseat-experts-club/angular-calendar-2022-03-01/tree/template</a:t>
+              <a:t>https://github.com/rocketseat-experts-club/ionic-my-first-app-2022-03-28/tree/template</a:t>
             </a:r>
             <a:endParaRPr lang="pt-BR" dirty="0">
               <a:solidFill>
